--- a/sources/Deltares.Probabilistic.PWrapper.Examples/kratos/Sheet pile.pptx
+++ b/sources/Deltares.Probabilistic.PWrapper.Examples/kratos/Sheet pile.pptx
@@ -5,10 +5,10 @@
     <p:sldMasterId id="2147483648" r:id="rId4"/>
   </p:sldMasterIdLst>
   <p:notesMasterIdLst>
-    <p:notesMasterId r:id="rId28"/>
+    <p:notesMasterId r:id="rId27"/>
   </p:notesMasterIdLst>
   <p:handoutMasterIdLst>
-    <p:handoutMasterId r:id="rId29"/>
+    <p:handoutMasterId r:id="rId28"/>
   </p:handoutMasterIdLst>
   <p:sldIdLst>
     <p:sldId id="260" r:id="rId5"/>
@@ -32,8 +32,7 @@
     <p:sldId id="280" r:id="rId23"/>
     <p:sldId id="281" r:id="rId24"/>
     <p:sldId id="282" r:id="rId25"/>
-    <p:sldId id="283" r:id="rId26"/>
-    <p:sldId id="285" r:id="rId27"/>
+    <p:sldId id="285" r:id="rId26"/>
   </p:sldIdLst>
   <p:sldSz cx="12192000" cy="6858000"/>
   <p:notesSz cx="6858000" cy="9144000"/>
@@ -15764,10 +15763,10 @@
       </p:sp>
       <p:pic>
         <p:nvPicPr>
-          <p:cNvPr id="12" name="Picture 11">
-            <a:extLst>
-              <a:ext uri="{FF2B5EF4-FFF2-40B4-BE49-F238E27FC236}">
-                <a16:creationId xmlns:a16="http://schemas.microsoft.com/office/drawing/2014/main" id="{7C4F5631-53F1-0E51-5527-CCA2A87A4B8C}"/>
+          <p:cNvPr id="7" name="Picture 6">
+            <a:extLst>
+              <a:ext uri="{FF2B5EF4-FFF2-40B4-BE49-F238E27FC236}">
+                <a16:creationId xmlns:a16="http://schemas.microsoft.com/office/drawing/2014/main" id="{B2119134-BBFA-1A2D-900E-54C010B5B1A3}"/>
               </a:ext>
             </a:extLst>
           </p:cNvPr>
@@ -15784,8 +15783,8 @@
         </p:blipFill>
         <p:spPr>
           <a:xfrm>
-            <a:off x="4460992" y="1388918"/>
-            <a:ext cx="7240010" cy="4791744"/>
+            <a:off x="4598035" y="1258914"/>
+            <a:ext cx="7259063" cy="4829849"/>
           </a:xfrm>
           <a:prstGeom prst="rect">
             <a:avLst/>
@@ -15999,10 +15998,10 @@
       </p:sp>
       <p:pic>
         <p:nvPicPr>
-          <p:cNvPr id="13" name="Picture 12">
-            <a:extLst>
-              <a:ext uri="{FF2B5EF4-FFF2-40B4-BE49-F238E27FC236}">
-                <a16:creationId xmlns:a16="http://schemas.microsoft.com/office/drawing/2014/main" id="{4C4DD642-D666-4717-6E2D-53C7E62799DE}"/>
+          <p:cNvPr id="7" name="Picture 6">
+            <a:extLst>
+              <a:ext uri="{FF2B5EF4-FFF2-40B4-BE49-F238E27FC236}">
+                <a16:creationId xmlns:a16="http://schemas.microsoft.com/office/drawing/2014/main" id="{41C9B679-3955-501E-9339-A0969596D216}"/>
               </a:ext>
             </a:extLst>
           </p:cNvPr>
@@ -16019,8 +16018,8 @@
         </p:blipFill>
         <p:spPr>
           <a:xfrm>
-            <a:off x="4521594" y="1125669"/>
-            <a:ext cx="6763694" cy="5058481"/>
+            <a:off x="4596445" y="1324508"/>
+            <a:ext cx="6839905" cy="4991797"/>
           </a:xfrm>
           <a:prstGeom prst="rect">
             <a:avLst/>
@@ -16234,10 +16233,10 @@
       </p:sp>
       <p:pic>
         <p:nvPicPr>
-          <p:cNvPr id="13" name="Picture 12">
-            <a:extLst>
-              <a:ext uri="{FF2B5EF4-FFF2-40B4-BE49-F238E27FC236}">
-                <a16:creationId xmlns:a16="http://schemas.microsoft.com/office/drawing/2014/main" id="{773C40F1-AEB7-12D1-9DC3-E27576127798}"/>
+          <p:cNvPr id="10" name="Picture 9">
+            <a:extLst>
+              <a:ext uri="{FF2B5EF4-FFF2-40B4-BE49-F238E27FC236}">
+                <a16:creationId xmlns:a16="http://schemas.microsoft.com/office/drawing/2014/main" id="{A0D8982C-5B19-43AE-1E3E-98B467F45A88}"/>
               </a:ext>
             </a:extLst>
           </p:cNvPr>
@@ -16254,8 +16253,8 @@
         </p:blipFill>
         <p:spPr>
           <a:xfrm>
-            <a:off x="4663130" y="1305456"/>
-            <a:ext cx="6773220" cy="5010849"/>
+            <a:off x="4966248" y="1214436"/>
+            <a:ext cx="6744641" cy="5001323"/>
           </a:xfrm>
           <a:prstGeom prst="rect">
             <a:avLst/>
@@ -17564,36 +17563,6 @@
           </a:p>
         </p:txBody>
       </p:sp>
-      <p:pic>
-        <p:nvPicPr>
-          <p:cNvPr id="7" name="Picture 6">
-            <a:extLst>
-              <a:ext uri="{FF2B5EF4-FFF2-40B4-BE49-F238E27FC236}">
-                <a16:creationId xmlns:a16="http://schemas.microsoft.com/office/drawing/2014/main" id="{7FE8C88F-FFAF-0189-92F8-4B94EC9427CE}"/>
-              </a:ext>
-            </a:extLst>
-          </p:cNvPr>
-          <p:cNvPicPr>
-            <a:picLocks noChangeAspect="1"/>
-          </p:cNvPicPr>
-          <p:nvPr/>
-        </p:nvPicPr>
-        <p:blipFill>
-          <a:blip r:embed="rId2"/>
-          <a:stretch>
-            <a:fillRect/>
-          </a:stretch>
-        </p:blipFill>
-        <p:spPr>
-          <a:xfrm>
-            <a:off x="4617320" y="1349053"/>
-            <a:ext cx="6963747" cy="4829849"/>
-          </a:xfrm>
-          <a:prstGeom prst="rect">
-            <a:avLst/>
-          </a:prstGeom>
-        </p:spPr>
-      </p:pic>
     </p:spTree>
     <p:extLst>
       <p:ext uri="{BB962C8B-B14F-4D97-AF65-F5344CB8AC3E}">
@@ -17799,36 +17768,6 @@
           </a:p>
         </p:txBody>
       </p:sp>
-      <p:pic>
-        <p:nvPicPr>
-          <p:cNvPr id="7" name="Picture 6">
-            <a:extLst>
-              <a:ext uri="{FF2B5EF4-FFF2-40B4-BE49-F238E27FC236}">
-                <a16:creationId xmlns:a16="http://schemas.microsoft.com/office/drawing/2014/main" id="{E3219BFA-EF2B-FC6B-75CF-BBDC4920C19A}"/>
-              </a:ext>
-            </a:extLst>
-          </p:cNvPr>
-          <p:cNvPicPr>
-            <a:picLocks noChangeAspect="1"/>
-          </p:cNvPicPr>
-          <p:nvPr/>
-        </p:nvPicPr>
-        <p:blipFill>
-          <a:blip r:embed="rId2"/>
-          <a:stretch>
-            <a:fillRect/>
-          </a:stretch>
-        </p:blipFill>
-        <p:spPr>
-          <a:xfrm>
-            <a:off x="4425043" y="1162748"/>
-            <a:ext cx="7087589" cy="4858428"/>
-          </a:xfrm>
-          <a:prstGeom prst="rect">
-            <a:avLst/>
-          </a:prstGeom>
-        </p:spPr>
-      </p:pic>
     </p:spTree>
     <p:extLst>
       <p:ext uri="{BB962C8B-B14F-4D97-AF65-F5344CB8AC3E}">
@@ -18251,36 +18190,6 @@
           </a:p>
         </p:txBody>
       </p:sp>
-      <p:pic>
-        <p:nvPicPr>
-          <p:cNvPr id="3" name="Picture 2">
-            <a:extLst>
-              <a:ext uri="{FF2B5EF4-FFF2-40B4-BE49-F238E27FC236}">
-                <a16:creationId xmlns:a16="http://schemas.microsoft.com/office/drawing/2014/main" id="{4E4265F7-E8DE-7557-1793-6C33430DF97B}"/>
-              </a:ext>
-            </a:extLst>
-          </p:cNvPr>
-          <p:cNvPicPr>
-            <a:picLocks noChangeAspect="1"/>
-          </p:cNvPicPr>
-          <p:nvPr/>
-        </p:nvPicPr>
-        <p:blipFill>
-          <a:blip r:embed="rId2"/>
-          <a:stretch>
-            <a:fillRect/>
-          </a:stretch>
-        </p:blipFill>
-        <p:spPr>
-          <a:xfrm>
-            <a:off x="4786591" y="1352871"/>
-            <a:ext cx="6944694" cy="4858428"/>
-          </a:xfrm>
-          <a:prstGeom prst="rect">
-            <a:avLst/>
-          </a:prstGeom>
-        </p:spPr>
-      </p:pic>
     </p:spTree>
     <p:extLst>
       <p:ext uri="{BB962C8B-B14F-4D97-AF65-F5344CB8AC3E}">
@@ -18767,36 +18676,6 @@
           </a:p>
         </p:txBody>
       </p:sp>
-      <p:pic>
-        <p:nvPicPr>
-          <p:cNvPr id="8" name="Picture 7">
-            <a:extLst>
-              <a:ext uri="{FF2B5EF4-FFF2-40B4-BE49-F238E27FC236}">
-                <a16:creationId xmlns:a16="http://schemas.microsoft.com/office/drawing/2014/main" id="{962E56FD-6455-E7BF-C185-C11B79674CD8}"/>
-              </a:ext>
-            </a:extLst>
-          </p:cNvPr>
-          <p:cNvPicPr>
-            <a:picLocks noChangeAspect="1"/>
-          </p:cNvPicPr>
-          <p:nvPr/>
-        </p:nvPicPr>
-        <p:blipFill>
-          <a:blip r:embed="rId2"/>
-          <a:stretch>
-            <a:fillRect/>
-          </a:stretch>
-        </p:blipFill>
-        <p:spPr>
-          <a:xfrm>
-            <a:off x="4529761" y="1410460"/>
-            <a:ext cx="6906589" cy="4820323"/>
-          </a:xfrm>
-          <a:prstGeom prst="rect">
-            <a:avLst/>
-          </a:prstGeom>
-        </p:spPr>
-      </p:pic>
     </p:spTree>
     <p:extLst>
       <p:ext uri="{BB962C8B-B14F-4D97-AF65-F5344CB8AC3E}">
@@ -19002,36 +18881,6 @@
           </a:p>
         </p:txBody>
       </p:sp>
-      <p:pic>
-        <p:nvPicPr>
-          <p:cNvPr id="8" name="Picture 7">
-            <a:extLst>
-              <a:ext uri="{FF2B5EF4-FFF2-40B4-BE49-F238E27FC236}">
-                <a16:creationId xmlns:a16="http://schemas.microsoft.com/office/drawing/2014/main" id="{9A403C54-BA22-96C8-94FE-9EBFEC1A295D}"/>
-              </a:ext>
-            </a:extLst>
-          </p:cNvPr>
-          <p:cNvPicPr>
-            <a:picLocks noChangeAspect="1"/>
-          </p:cNvPicPr>
-          <p:nvPr/>
-        </p:nvPicPr>
-        <p:blipFill>
-          <a:blip r:embed="rId2"/>
-          <a:stretch>
-            <a:fillRect/>
-          </a:stretch>
-        </p:blipFill>
-        <p:spPr>
-          <a:xfrm>
-            <a:off x="4444024" y="1239861"/>
-            <a:ext cx="6992326" cy="4848902"/>
-          </a:xfrm>
-          <a:prstGeom prst="rect">
-            <a:avLst/>
-          </a:prstGeom>
-        </p:spPr>
-      </p:pic>
     </p:spTree>
     <p:extLst>
       <p:ext uri="{BB962C8B-B14F-4D97-AF65-F5344CB8AC3E}">
@@ -19067,150 +18916,6 @@
           <p:cNvPr id="2" name="Title 1">
             <a:extLst>
               <a:ext uri="{FF2B5EF4-FFF2-40B4-BE49-F238E27FC236}">
-                <a16:creationId xmlns:a16="http://schemas.microsoft.com/office/drawing/2014/main" id="{C80704AA-B865-95B2-5CB4-2FF8F865D036}"/>
-              </a:ext>
-            </a:extLst>
-          </p:cNvPr>
-          <p:cNvSpPr>
-            <a:spLocks noGrp="1"/>
-          </p:cNvSpPr>
-          <p:nvPr>
-            <p:ph type="title"/>
-          </p:nvPr>
-        </p:nvSpPr>
-        <p:spPr/>
-        <p:txBody>
-          <a:bodyPr/>
-          <a:lstStyle/>
-          <a:p>
-            <a:r>
-              <a:rPr lang="nl-NL" dirty="0"/>
-              <a:t>Summary</a:t>
-            </a:r>
-          </a:p>
-        </p:txBody>
-      </p:sp>
-      <p:sp>
-        <p:nvSpPr>
-          <p:cNvPr id="4" name="Date Placeholder 3">
-            <a:extLst>
-              <a:ext uri="{FF2B5EF4-FFF2-40B4-BE49-F238E27FC236}">
-                <a16:creationId xmlns:a16="http://schemas.microsoft.com/office/drawing/2014/main" id="{A3FF2C8C-326A-C21A-770B-3EDDE829412C}"/>
-              </a:ext>
-            </a:extLst>
-          </p:cNvPr>
-          <p:cNvSpPr>
-            <a:spLocks noGrp="1"/>
-          </p:cNvSpPr>
-          <p:nvPr>
-            <p:ph type="dt" sz="half" idx="10"/>
-          </p:nvPr>
-        </p:nvSpPr>
-        <p:spPr/>
-        <p:txBody>
-          <a:bodyPr/>
-          <a:lstStyle/>
-          <a:p>
-            <a:r>
-              <a:rPr lang="nl-NL"/>
-              <a:t> 28 november 2019</a:t>
-            </a:r>
-          </a:p>
-        </p:txBody>
-      </p:sp>
-      <p:sp>
-        <p:nvSpPr>
-          <p:cNvPr id="5" name="Footer Placeholder 4">
-            <a:extLst>
-              <a:ext uri="{FF2B5EF4-FFF2-40B4-BE49-F238E27FC236}">
-                <a16:creationId xmlns:a16="http://schemas.microsoft.com/office/drawing/2014/main" id="{3D6F461A-CBC5-1461-4F0F-9C54BECB4E66}"/>
-              </a:ext>
-            </a:extLst>
-          </p:cNvPr>
-          <p:cNvSpPr>
-            <a:spLocks noGrp="1"/>
-          </p:cNvSpPr>
-          <p:nvPr>
-            <p:ph type="ftr" sz="quarter" idx="11"/>
-          </p:nvPr>
-        </p:nvSpPr>
-        <p:spPr/>
-        <p:txBody>
-          <a:bodyPr/>
-          <a:lstStyle/>
-          <a:p>
-            <a:r>
-              <a:rPr lang="nl-NL"/>
-              <a:t>Voettekst van de presentatie</a:t>
-            </a:r>
-          </a:p>
-        </p:txBody>
-      </p:sp>
-      <p:sp>
-        <p:nvSpPr>
-          <p:cNvPr id="6" name="Slide Number Placeholder 5">
-            <a:extLst>
-              <a:ext uri="{FF2B5EF4-FFF2-40B4-BE49-F238E27FC236}">
-                <a16:creationId xmlns:a16="http://schemas.microsoft.com/office/drawing/2014/main" id="{B05B9394-2256-44A2-8892-A610B7D34C99}"/>
-              </a:ext>
-            </a:extLst>
-          </p:cNvPr>
-          <p:cNvSpPr>
-            <a:spLocks noGrp="1"/>
-          </p:cNvSpPr>
-          <p:nvPr>
-            <p:ph type="sldNum" sz="quarter" idx="12"/>
-          </p:nvPr>
-        </p:nvSpPr>
-        <p:spPr/>
-        <p:txBody>
-          <a:bodyPr/>
-          <a:lstStyle/>
-          <a:p>
-            <a:fld id="{F42B3F14-D836-496B-80A2-23BE75BD68CB}" type="slidenum">
-              <a:rPr lang="nl-NL" smtClean="0"/>
-              <a:pPr/>
-              <a:t>22</a:t>
-            </a:fld>
-            <a:endParaRPr lang="nl-NL"/>
-          </a:p>
-        </p:txBody>
-      </p:sp>
-    </p:spTree>
-    <p:extLst>
-      <p:ext uri="{BB962C8B-B14F-4D97-AF65-F5344CB8AC3E}">
-        <p14:creationId xmlns:p14="http://schemas.microsoft.com/office/powerpoint/2010/main" val="4216357495"/>
-      </p:ext>
-    </p:extLst>
-  </p:cSld>
-  <p:clrMapOvr>
-    <a:masterClrMapping/>
-  </p:clrMapOvr>
-</p:sld>
-</file>
-
-<file path=ppt/slides/slide23.xml><?xml version="1.0" encoding="utf-8"?>
-<p:sld xmlns:a="http://schemas.openxmlformats.org/drawingml/2006/main" xmlns:r="http://schemas.openxmlformats.org/officeDocument/2006/relationships" xmlns:p="http://schemas.openxmlformats.org/presentationml/2006/main">
-  <p:cSld>
-    <p:spTree>
-      <p:nvGrpSpPr>
-        <p:cNvPr id="1" name=""/>
-        <p:cNvGrpSpPr/>
-        <p:nvPr/>
-      </p:nvGrpSpPr>
-      <p:grpSpPr>
-        <a:xfrm>
-          <a:off x="0" y="0"/>
-          <a:ext cx="0" cy="0"/>
-          <a:chOff x="0" y="0"/>
-          <a:chExt cx="0" cy="0"/>
-        </a:xfrm>
-      </p:grpSpPr>
-      <p:sp>
-        <p:nvSpPr>
-          <p:cNvPr id="2" name="Title 1">
-            <a:extLst>
-              <a:ext uri="{FF2B5EF4-FFF2-40B4-BE49-F238E27FC236}">
                 <a16:creationId xmlns:a16="http://schemas.microsoft.com/office/drawing/2014/main" id="{266E3AD9-380B-94E1-847C-2E9B6782398A}"/>
               </a:ext>
             </a:extLst>
@@ -19576,7 +19281,7 @@
           <a:p>
             <a:fld id="{F42B3F14-D836-496B-80A2-23BE75BD68CB}" type="slidenum">
               <a:rPr lang="nl-NL" smtClean="0"/>
-              <a:t>23</a:t>
+              <a:t>22</a:t>
             </a:fld>
             <a:endParaRPr lang="nl-NL"/>
           </a:p>
@@ -19896,7 +19601,7 @@
         <p:spPr>
           <a:xfrm>
             <a:off x="4181058" y="3973003"/>
-            <a:ext cx="684803" cy="369332"/>
+            <a:ext cx="1069524" cy="369332"/>
           </a:xfrm>
           <a:prstGeom prst="rect">
             <a:avLst/>
@@ -19910,10 +19615,9 @@
           <a:lstStyle/>
           <a:p>
             <a:r>
-              <a:rPr lang="nl-NL" dirty="0" err="1"/>
-              <a:t>sand</a:t>
-            </a:r>
-            <a:endParaRPr lang="nl-NL" dirty="0"/>
+              <a:rPr lang="nl-NL" dirty="0"/>
+              <a:t>Sand (3)</a:t>
+            </a:r>
           </a:p>
         </p:txBody>
       </p:sp>
@@ -19932,7 +19636,7 @@
         <p:spPr>
           <a:xfrm>
             <a:off x="6875531" y="3973003"/>
-            <a:ext cx="684803" cy="369332"/>
+            <a:ext cx="1069524" cy="369332"/>
           </a:xfrm>
           <a:prstGeom prst="rect">
             <a:avLst/>
@@ -19946,10 +19650,9 @@
           <a:lstStyle/>
           <a:p>
             <a:r>
-              <a:rPr lang="nl-NL" dirty="0" err="1"/>
-              <a:t>sand</a:t>
-            </a:r>
-            <a:endParaRPr lang="nl-NL" dirty="0"/>
+              <a:rPr lang="nl-NL" dirty="0"/>
+              <a:t>Sand (3)</a:t>
+            </a:r>
           </a:p>
         </p:txBody>
       </p:sp>
@@ -19968,7 +19671,7 @@
         <p:spPr>
           <a:xfrm>
             <a:off x="9888482" y="3973003"/>
-            <a:ext cx="684803" cy="369332"/>
+            <a:ext cx="1069524" cy="369332"/>
           </a:xfrm>
           <a:prstGeom prst="rect">
             <a:avLst/>
@@ -19982,10 +19685,9 @@
           <a:lstStyle/>
           <a:p>
             <a:r>
-              <a:rPr lang="nl-NL" dirty="0" err="1"/>
-              <a:t>sand</a:t>
-            </a:r>
-            <a:endParaRPr lang="nl-NL" dirty="0"/>
+              <a:rPr lang="nl-NL" dirty="0"/>
+              <a:t>Sand (3)</a:t>
+            </a:r>
           </a:p>
         </p:txBody>
       </p:sp>
@@ -20252,7 +19954,7 @@
         </p:nvSpPr>
         <p:spPr>
           <a:xfrm>
-            <a:off x="1689936" y="2495379"/>
+            <a:off x="1689936" y="2453253"/>
             <a:ext cx="992579" cy="369332"/>
           </a:xfrm>
           <a:prstGeom prst="rect">
@@ -20331,6 +20033,684 @@
         <p:spPr>
           <a:xfrm>
             <a:off x="1709462" y="2885881"/>
+            <a:ext cx="992579" cy="369332"/>
+          </a:xfrm>
+          <a:prstGeom prst="rect">
+            <a:avLst/>
+          </a:prstGeom>
+          <a:noFill/>
+        </p:spPr>
+        <p:txBody>
+          <a:bodyPr wrap="none" rtlCol="0">
+            <a:spAutoFit/>
+          </a:bodyPr>
+          <a:lstStyle/>
+          <a:p>
+            <a:r>
+              <a:rPr lang="nl-NL" dirty="0" err="1"/>
+              <a:t>Clay</a:t>
+            </a:r>
+            <a:r>
+              <a:rPr lang="nl-NL" dirty="0"/>
+              <a:t> (2)</a:t>
+            </a:r>
+          </a:p>
+        </p:txBody>
+      </p:sp>
+      <p:sp>
+        <p:nvSpPr>
+          <p:cNvPr id="3" name="TextBox 2">
+            <a:extLst>
+              <a:ext uri="{FF2B5EF4-FFF2-40B4-BE49-F238E27FC236}">
+                <a16:creationId xmlns:a16="http://schemas.microsoft.com/office/drawing/2014/main" id="{7F23B6CA-D627-F6DD-7FBC-11DB8D8F1984}"/>
+              </a:ext>
+            </a:extLst>
+          </p:cNvPr>
+          <p:cNvSpPr txBox="1"/>
+          <p:nvPr/>
+        </p:nvSpPr>
+        <p:spPr>
+          <a:xfrm>
+            <a:off x="3408879" y="3452097"/>
+            <a:ext cx="1069524" cy="369332"/>
+          </a:xfrm>
+          <a:prstGeom prst="rect">
+            <a:avLst/>
+          </a:prstGeom>
+          <a:noFill/>
+        </p:spPr>
+        <p:txBody>
+          <a:bodyPr wrap="none" rtlCol="0">
+            <a:spAutoFit/>
+          </a:bodyPr>
+          <a:lstStyle/>
+          <a:p>
+            <a:r>
+              <a:rPr lang="nl-NL" dirty="0"/>
+              <a:t>Sand (3)</a:t>
+            </a:r>
+          </a:p>
+        </p:txBody>
+      </p:sp>
+      <p:sp>
+        <p:nvSpPr>
+          <p:cNvPr id="7" name="TextBox 6">
+            <a:extLst>
+              <a:ext uri="{FF2B5EF4-FFF2-40B4-BE49-F238E27FC236}">
+                <a16:creationId xmlns:a16="http://schemas.microsoft.com/office/drawing/2014/main" id="{1CB1E385-CDB8-4372-0DB0-6F2E3FA3C4CF}"/>
+              </a:ext>
+            </a:extLst>
+          </p:cNvPr>
+          <p:cNvSpPr txBox="1"/>
+          <p:nvPr/>
+        </p:nvSpPr>
+        <p:spPr>
+          <a:xfrm>
+            <a:off x="4489922" y="3452097"/>
+            <a:ext cx="1069524" cy="369332"/>
+          </a:xfrm>
+          <a:prstGeom prst="rect">
+            <a:avLst/>
+          </a:prstGeom>
+          <a:noFill/>
+        </p:spPr>
+        <p:txBody>
+          <a:bodyPr wrap="none" rtlCol="0">
+            <a:spAutoFit/>
+          </a:bodyPr>
+          <a:lstStyle/>
+          <a:p>
+            <a:r>
+              <a:rPr lang="nl-NL" dirty="0"/>
+              <a:t>Sand (3)</a:t>
+            </a:r>
+          </a:p>
+        </p:txBody>
+      </p:sp>
+      <p:sp>
+        <p:nvSpPr>
+          <p:cNvPr id="9" name="TextBox 8">
+            <a:extLst>
+              <a:ext uri="{FF2B5EF4-FFF2-40B4-BE49-F238E27FC236}">
+                <a16:creationId xmlns:a16="http://schemas.microsoft.com/office/drawing/2014/main" id="{5BC5F09E-6DCE-09B1-1E1B-DB19EB7C637A}"/>
+              </a:ext>
+            </a:extLst>
+          </p:cNvPr>
+          <p:cNvSpPr txBox="1"/>
+          <p:nvPr/>
+        </p:nvSpPr>
+        <p:spPr>
+          <a:xfrm>
+            <a:off x="3431136" y="2453253"/>
+            <a:ext cx="992579" cy="369332"/>
+          </a:xfrm>
+          <a:prstGeom prst="rect">
+            <a:avLst/>
+          </a:prstGeom>
+          <a:noFill/>
+        </p:spPr>
+        <p:txBody>
+          <a:bodyPr wrap="none" rtlCol="0">
+            <a:spAutoFit/>
+          </a:bodyPr>
+          <a:lstStyle/>
+          <a:p>
+            <a:r>
+              <a:rPr lang="nl-NL" dirty="0" err="1"/>
+              <a:t>Caly</a:t>
+            </a:r>
+            <a:r>
+              <a:rPr lang="nl-NL" dirty="0"/>
+              <a:t> (1)</a:t>
+            </a:r>
+          </a:p>
+        </p:txBody>
+      </p:sp>
+      <p:sp>
+        <p:nvSpPr>
+          <p:cNvPr id="11" name="TextBox 10">
+            <a:extLst>
+              <a:ext uri="{FF2B5EF4-FFF2-40B4-BE49-F238E27FC236}">
+                <a16:creationId xmlns:a16="http://schemas.microsoft.com/office/drawing/2014/main" id="{2C9555D8-F8E2-A58E-2273-1CD7B495E1CC}"/>
+              </a:ext>
+            </a:extLst>
+          </p:cNvPr>
+          <p:cNvSpPr txBox="1"/>
+          <p:nvPr/>
+        </p:nvSpPr>
+        <p:spPr>
+          <a:xfrm>
+            <a:off x="4445352" y="2453253"/>
+            <a:ext cx="992579" cy="369332"/>
+          </a:xfrm>
+          <a:prstGeom prst="rect">
+            <a:avLst/>
+          </a:prstGeom>
+          <a:noFill/>
+        </p:spPr>
+        <p:txBody>
+          <a:bodyPr wrap="none" rtlCol="0">
+            <a:spAutoFit/>
+          </a:bodyPr>
+          <a:lstStyle/>
+          <a:p>
+            <a:r>
+              <a:rPr lang="nl-NL" dirty="0" err="1"/>
+              <a:t>Clay</a:t>
+            </a:r>
+            <a:r>
+              <a:rPr lang="nl-NL" dirty="0"/>
+              <a:t> (1)</a:t>
+            </a:r>
+          </a:p>
+        </p:txBody>
+      </p:sp>
+      <p:sp>
+        <p:nvSpPr>
+          <p:cNvPr id="13" name="TextBox 12">
+            <a:extLst>
+              <a:ext uri="{FF2B5EF4-FFF2-40B4-BE49-F238E27FC236}">
+                <a16:creationId xmlns:a16="http://schemas.microsoft.com/office/drawing/2014/main" id="{FA35DD13-0586-09F9-41CB-ABA8BC9EB5D7}"/>
+              </a:ext>
+            </a:extLst>
+          </p:cNvPr>
+          <p:cNvSpPr txBox="1"/>
+          <p:nvPr/>
+        </p:nvSpPr>
+        <p:spPr>
+          <a:xfrm>
+            <a:off x="3422308" y="2876929"/>
+            <a:ext cx="992579" cy="369332"/>
+          </a:xfrm>
+          <a:prstGeom prst="rect">
+            <a:avLst/>
+          </a:prstGeom>
+          <a:noFill/>
+        </p:spPr>
+        <p:txBody>
+          <a:bodyPr wrap="none" rtlCol="0">
+            <a:spAutoFit/>
+          </a:bodyPr>
+          <a:lstStyle/>
+          <a:p>
+            <a:r>
+              <a:rPr lang="nl-NL" dirty="0" err="1"/>
+              <a:t>Caly</a:t>
+            </a:r>
+            <a:r>
+              <a:rPr lang="nl-NL" dirty="0"/>
+              <a:t> (2)</a:t>
+            </a:r>
+          </a:p>
+        </p:txBody>
+      </p:sp>
+      <p:sp>
+        <p:nvSpPr>
+          <p:cNvPr id="19" name="TextBox 18">
+            <a:extLst>
+              <a:ext uri="{FF2B5EF4-FFF2-40B4-BE49-F238E27FC236}">
+                <a16:creationId xmlns:a16="http://schemas.microsoft.com/office/drawing/2014/main" id="{EC280768-B829-7E4D-F60C-B72A78938A0E}"/>
+              </a:ext>
+            </a:extLst>
+          </p:cNvPr>
+          <p:cNvSpPr txBox="1"/>
+          <p:nvPr/>
+        </p:nvSpPr>
+        <p:spPr>
+          <a:xfrm>
+            <a:off x="4464878" y="2885881"/>
+            <a:ext cx="992579" cy="369332"/>
+          </a:xfrm>
+          <a:prstGeom prst="rect">
+            <a:avLst/>
+          </a:prstGeom>
+          <a:noFill/>
+        </p:spPr>
+        <p:txBody>
+          <a:bodyPr wrap="none" rtlCol="0">
+            <a:spAutoFit/>
+          </a:bodyPr>
+          <a:lstStyle/>
+          <a:p>
+            <a:r>
+              <a:rPr lang="nl-NL" dirty="0" err="1"/>
+              <a:t>Clay</a:t>
+            </a:r>
+            <a:r>
+              <a:rPr lang="nl-NL" dirty="0"/>
+              <a:t> (2)</a:t>
+            </a:r>
+          </a:p>
+        </p:txBody>
+      </p:sp>
+      <p:sp>
+        <p:nvSpPr>
+          <p:cNvPr id="30" name="TextBox 29">
+            <a:extLst>
+              <a:ext uri="{FF2B5EF4-FFF2-40B4-BE49-F238E27FC236}">
+                <a16:creationId xmlns:a16="http://schemas.microsoft.com/office/drawing/2014/main" id="{5B1BDFB1-C3BB-76D8-9FF0-50CEABD7ACA9}"/>
+              </a:ext>
+            </a:extLst>
+          </p:cNvPr>
+          <p:cNvSpPr txBox="1"/>
+          <p:nvPr/>
+        </p:nvSpPr>
+        <p:spPr>
+          <a:xfrm>
+            <a:off x="6130766" y="3461862"/>
+            <a:ext cx="1069524" cy="369332"/>
+          </a:xfrm>
+          <a:prstGeom prst="rect">
+            <a:avLst/>
+          </a:prstGeom>
+          <a:noFill/>
+        </p:spPr>
+        <p:txBody>
+          <a:bodyPr wrap="none" rtlCol="0">
+            <a:spAutoFit/>
+          </a:bodyPr>
+          <a:lstStyle/>
+          <a:p>
+            <a:r>
+              <a:rPr lang="nl-NL" dirty="0"/>
+              <a:t>Sand (3)</a:t>
+            </a:r>
+          </a:p>
+        </p:txBody>
+      </p:sp>
+      <p:sp>
+        <p:nvSpPr>
+          <p:cNvPr id="31" name="TextBox 30">
+            <a:extLst>
+              <a:ext uri="{FF2B5EF4-FFF2-40B4-BE49-F238E27FC236}">
+                <a16:creationId xmlns:a16="http://schemas.microsoft.com/office/drawing/2014/main" id="{DEA9942F-B89F-A242-48AB-E207B6A7D616}"/>
+              </a:ext>
+            </a:extLst>
+          </p:cNvPr>
+          <p:cNvSpPr txBox="1"/>
+          <p:nvPr/>
+        </p:nvSpPr>
+        <p:spPr>
+          <a:xfrm>
+            <a:off x="7211809" y="3461862"/>
+            <a:ext cx="1069524" cy="369332"/>
+          </a:xfrm>
+          <a:prstGeom prst="rect">
+            <a:avLst/>
+          </a:prstGeom>
+          <a:noFill/>
+        </p:spPr>
+        <p:txBody>
+          <a:bodyPr wrap="none" rtlCol="0">
+            <a:spAutoFit/>
+          </a:bodyPr>
+          <a:lstStyle/>
+          <a:p>
+            <a:r>
+              <a:rPr lang="nl-NL" dirty="0"/>
+              <a:t>Sand (3)</a:t>
+            </a:r>
+          </a:p>
+        </p:txBody>
+      </p:sp>
+      <p:sp>
+        <p:nvSpPr>
+          <p:cNvPr id="32" name="TextBox 31">
+            <a:extLst>
+              <a:ext uri="{FF2B5EF4-FFF2-40B4-BE49-F238E27FC236}">
+                <a16:creationId xmlns:a16="http://schemas.microsoft.com/office/drawing/2014/main" id="{23FD99D6-3A0A-93E2-7268-741F9FAE5C26}"/>
+              </a:ext>
+            </a:extLst>
+          </p:cNvPr>
+          <p:cNvSpPr txBox="1"/>
+          <p:nvPr/>
+        </p:nvSpPr>
+        <p:spPr>
+          <a:xfrm>
+            <a:off x="6153023" y="2463018"/>
+            <a:ext cx="992579" cy="369332"/>
+          </a:xfrm>
+          <a:prstGeom prst="rect">
+            <a:avLst/>
+          </a:prstGeom>
+          <a:noFill/>
+        </p:spPr>
+        <p:txBody>
+          <a:bodyPr wrap="none" rtlCol="0">
+            <a:spAutoFit/>
+          </a:bodyPr>
+          <a:lstStyle/>
+          <a:p>
+            <a:r>
+              <a:rPr lang="nl-NL" dirty="0" err="1"/>
+              <a:t>Caly</a:t>
+            </a:r>
+            <a:r>
+              <a:rPr lang="nl-NL" dirty="0"/>
+              <a:t> (1)</a:t>
+            </a:r>
+          </a:p>
+        </p:txBody>
+      </p:sp>
+      <p:sp>
+        <p:nvSpPr>
+          <p:cNvPr id="33" name="TextBox 32">
+            <a:extLst>
+              <a:ext uri="{FF2B5EF4-FFF2-40B4-BE49-F238E27FC236}">
+                <a16:creationId xmlns:a16="http://schemas.microsoft.com/office/drawing/2014/main" id="{13C529D2-F8BF-E45E-3484-05E3580A7269}"/>
+              </a:ext>
+            </a:extLst>
+          </p:cNvPr>
+          <p:cNvSpPr txBox="1"/>
+          <p:nvPr/>
+        </p:nvSpPr>
+        <p:spPr>
+          <a:xfrm>
+            <a:off x="7167239" y="2463018"/>
+            <a:ext cx="992579" cy="369332"/>
+          </a:xfrm>
+          <a:prstGeom prst="rect">
+            <a:avLst/>
+          </a:prstGeom>
+          <a:noFill/>
+        </p:spPr>
+        <p:txBody>
+          <a:bodyPr wrap="none" rtlCol="0">
+            <a:spAutoFit/>
+          </a:bodyPr>
+          <a:lstStyle/>
+          <a:p>
+            <a:r>
+              <a:rPr lang="nl-NL" dirty="0" err="1"/>
+              <a:t>Clay</a:t>
+            </a:r>
+            <a:r>
+              <a:rPr lang="nl-NL" dirty="0"/>
+              <a:t> (1)</a:t>
+            </a:r>
+          </a:p>
+        </p:txBody>
+      </p:sp>
+      <p:sp>
+        <p:nvSpPr>
+          <p:cNvPr id="34" name="TextBox 33">
+            <a:extLst>
+              <a:ext uri="{FF2B5EF4-FFF2-40B4-BE49-F238E27FC236}">
+                <a16:creationId xmlns:a16="http://schemas.microsoft.com/office/drawing/2014/main" id="{748805B3-C0AE-6CD8-2DD1-5A4F43FD12F3}"/>
+              </a:ext>
+            </a:extLst>
+          </p:cNvPr>
+          <p:cNvSpPr txBox="1"/>
+          <p:nvPr/>
+        </p:nvSpPr>
+        <p:spPr>
+          <a:xfrm>
+            <a:off x="6144195" y="2886694"/>
+            <a:ext cx="992579" cy="369332"/>
+          </a:xfrm>
+          <a:prstGeom prst="rect">
+            <a:avLst/>
+          </a:prstGeom>
+          <a:noFill/>
+        </p:spPr>
+        <p:txBody>
+          <a:bodyPr wrap="none" rtlCol="0">
+            <a:spAutoFit/>
+          </a:bodyPr>
+          <a:lstStyle/>
+          <a:p>
+            <a:r>
+              <a:rPr lang="nl-NL" dirty="0" err="1"/>
+              <a:t>Caly</a:t>
+            </a:r>
+            <a:r>
+              <a:rPr lang="nl-NL" dirty="0"/>
+              <a:t> (2)</a:t>
+            </a:r>
+          </a:p>
+        </p:txBody>
+      </p:sp>
+      <p:sp>
+        <p:nvSpPr>
+          <p:cNvPr id="35" name="TextBox 34">
+            <a:extLst>
+              <a:ext uri="{FF2B5EF4-FFF2-40B4-BE49-F238E27FC236}">
+                <a16:creationId xmlns:a16="http://schemas.microsoft.com/office/drawing/2014/main" id="{F42FB427-54A6-0BA5-8281-4B84D0139B1B}"/>
+              </a:ext>
+            </a:extLst>
+          </p:cNvPr>
+          <p:cNvSpPr txBox="1"/>
+          <p:nvPr/>
+        </p:nvSpPr>
+        <p:spPr>
+          <a:xfrm>
+            <a:off x="7186765" y="2895646"/>
+            <a:ext cx="992579" cy="369332"/>
+          </a:xfrm>
+          <a:prstGeom prst="rect">
+            <a:avLst/>
+          </a:prstGeom>
+          <a:noFill/>
+        </p:spPr>
+        <p:txBody>
+          <a:bodyPr wrap="none" rtlCol="0">
+            <a:spAutoFit/>
+          </a:bodyPr>
+          <a:lstStyle/>
+          <a:p>
+            <a:r>
+              <a:rPr lang="nl-NL" dirty="0" err="1"/>
+              <a:t>Clay</a:t>
+            </a:r>
+            <a:r>
+              <a:rPr lang="nl-NL" dirty="0"/>
+              <a:t> (2)</a:t>
+            </a:r>
+          </a:p>
+        </p:txBody>
+      </p:sp>
+      <p:sp>
+        <p:nvSpPr>
+          <p:cNvPr id="42" name="TextBox 41">
+            <a:extLst>
+              <a:ext uri="{FF2B5EF4-FFF2-40B4-BE49-F238E27FC236}">
+                <a16:creationId xmlns:a16="http://schemas.microsoft.com/office/drawing/2014/main" id="{97FE92A3-07D3-AB1A-6381-B5DDF5148939}"/>
+              </a:ext>
+            </a:extLst>
+          </p:cNvPr>
+          <p:cNvSpPr txBox="1"/>
+          <p:nvPr/>
+        </p:nvSpPr>
+        <p:spPr>
+          <a:xfrm>
+            <a:off x="9245454" y="3378811"/>
+            <a:ext cx="1069524" cy="369332"/>
+          </a:xfrm>
+          <a:prstGeom prst="rect">
+            <a:avLst/>
+          </a:prstGeom>
+          <a:noFill/>
+        </p:spPr>
+        <p:txBody>
+          <a:bodyPr wrap="none" rtlCol="0">
+            <a:spAutoFit/>
+          </a:bodyPr>
+          <a:lstStyle/>
+          <a:p>
+            <a:r>
+              <a:rPr lang="nl-NL" dirty="0"/>
+              <a:t>Sand (3)</a:t>
+            </a:r>
+          </a:p>
+        </p:txBody>
+      </p:sp>
+      <p:sp>
+        <p:nvSpPr>
+          <p:cNvPr id="43" name="TextBox 42">
+            <a:extLst>
+              <a:ext uri="{FF2B5EF4-FFF2-40B4-BE49-F238E27FC236}">
+                <a16:creationId xmlns:a16="http://schemas.microsoft.com/office/drawing/2014/main" id="{D433968D-EFAE-52EF-5A46-350890796D74}"/>
+              </a:ext>
+            </a:extLst>
+          </p:cNvPr>
+          <p:cNvSpPr txBox="1"/>
+          <p:nvPr/>
+        </p:nvSpPr>
+        <p:spPr>
+          <a:xfrm>
+            <a:off x="10326497" y="3378811"/>
+            <a:ext cx="1069524" cy="369332"/>
+          </a:xfrm>
+          <a:prstGeom prst="rect">
+            <a:avLst/>
+          </a:prstGeom>
+          <a:noFill/>
+        </p:spPr>
+        <p:txBody>
+          <a:bodyPr wrap="none" rtlCol="0">
+            <a:spAutoFit/>
+          </a:bodyPr>
+          <a:lstStyle/>
+          <a:p>
+            <a:r>
+              <a:rPr lang="nl-NL" dirty="0"/>
+              <a:t>Sand (3)</a:t>
+            </a:r>
+          </a:p>
+        </p:txBody>
+      </p:sp>
+      <p:sp>
+        <p:nvSpPr>
+          <p:cNvPr id="44" name="TextBox 43">
+            <a:extLst>
+              <a:ext uri="{FF2B5EF4-FFF2-40B4-BE49-F238E27FC236}">
+                <a16:creationId xmlns:a16="http://schemas.microsoft.com/office/drawing/2014/main" id="{57600778-E9BA-72E5-6CC9-0B542456EB0C}"/>
+              </a:ext>
+            </a:extLst>
+          </p:cNvPr>
+          <p:cNvSpPr txBox="1"/>
+          <p:nvPr/>
+        </p:nvSpPr>
+        <p:spPr>
+          <a:xfrm>
+            <a:off x="9267711" y="2379967"/>
+            <a:ext cx="992579" cy="369332"/>
+          </a:xfrm>
+          <a:prstGeom prst="rect">
+            <a:avLst/>
+          </a:prstGeom>
+          <a:noFill/>
+        </p:spPr>
+        <p:txBody>
+          <a:bodyPr wrap="none" rtlCol="0">
+            <a:spAutoFit/>
+          </a:bodyPr>
+          <a:lstStyle/>
+          <a:p>
+            <a:r>
+              <a:rPr lang="nl-NL" dirty="0" err="1"/>
+              <a:t>Caly</a:t>
+            </a:r>
+            <a:r>
+              <a:rPr lang="nl-NL" dirty="0"/>
+              <a:t> (1)</a:t>
+            </a:r>
+          </a:p>
+        </p:txBody>
+      </p:sp>
+      <p:sp>
+        <p:nvSpPr>
+          <p:cNvPr id="45" name="TextBox 44">
+            <a:extLst>
+              <a:ext uri="{FF2B5EF4-FFF2-40B4-BE49-F238E27FC236}">
+                <a16:creationId xmlns:a16="http://schemas.microsoft.com/office/drawing/2014/main" id="{24B6A0CF-3311-390C-B960-17754E416349}"/>
+              </a:ext>
+            </a:extLst>
+          </p:cNvPr>
+          <p:cNvSpPr txBox="1"/>
+          <p:nvPr/>
+        </p:nvSpPr>
+        <p:spPr>
+          <a:xfrm>
+            <a:off x="10281927" y="2379967"/>
+            <a:ext cx="992579" cy="369332"/>
+          </a:xfrm>
+          <a:prstGeom prst="rect">
+            <a:avLst/>
+          </a:prstGeom>
+          <a:noFill/>
+        </p:spPr>
+        <p:txBody>
+          <a:bodyPr wrap="none" rtlCol="0">
+            <a:spAutoFit/>
+          </a:bodyPr>
+          <a:lstStyle/>
+          <a:p>
+            <a:r>
+              <a:rPr lang="nl-NL" dirty="0" err="1"/>
+              <a:t>Clay</a:t>
+            </a:r>
+            <a:r>
+              <a:rPr lang="nl-NL" dirty="0"/>
+              <a:t> (1)</a:t>
+            </a:r>
+          </a:p>
+        </p:txBody>
+      </p:sp>
+      <p:sp>
+        <p:nvSpPr>
+          <p:cNvPr id="46" name="TextBox 45">
+            <a:extLst>
+              <a:ext uri="{FF2B5EF4-FFF2-40B4-BE49-F238E27FC236}">
+                <a16:creationId xmlns:a16="http://schemas.microsoft.com/office/drawing/2014/main" id="{D6EDE94D-05E0-8493-4F38-4906BC342AD9}"/>
+              </a:ext>
+            </a:extLst>
+          </p:cNvPr>
+          <p:cNvSpPr txBox="1"/>
+          <p:nvPr/>
+        </p:nvSpPr>
+        <p:spPr>
+          <a:xfrm>
+            <a:off x="9258883" y="2803643"/>
+            <a:ext cx="992579" cy="369332"/>
+          </a:xfrm>
+          <a:prstGeom prst="rect">
+            <a:avLst/>
+          </a:prstGeom>
+          <a:noFill/>
+        </p:spPr>
+        <p:txBody>
+          <a:bodyPr wrap="none" rtlCol="0">
+            <a:spAutoFit/>
+          </a:bodyPr>
+          <a:lstStyle/>
+          <a:p>
+            <a:r>
+              <a:rPr lang="nl-NL" dirty="0" err="1"/>
+              <a:t>Caly</a:t>
+            </a:r>
+            <a:r>
+              <a:rPr lang="nl-NL" dirty="0"/>
+              <a:t> (2)</a:t>
+            </a:r>
+          </a:p>
+        </p:txBody>
+      </p:sp>
+      <p:sp>
+        <p:nvSpPr>
+          <p:cNvPr id="47" name="TextBox 46">
+            <a:extLst>
+              <a:ext uri="{FF2B5EF4-FFF2-40B4-BE49-F238E27FC236}">
+                <a16:creationId xmlns:a16="http://schemas.microsoft.com/office/drawing/2014/main" id="{A9C5C062-EAAE-0A8D-7F9C-8976D43311BC}"/>
+              </a:ext>
+            </a:extLst>
+          </p:cNvPr>
+          <p:cNvSpPr txBox="1"/>
+          <p:nvPr/>
+        </p:nvSpPr>
+        <p:spPr>
+          <a:xfrm>
+            <a:off x="10301453" y="2812595"/>
             <a:ext cx="992579" cy="369332"/>
           </a:xfrm>
           <a:prstGeom prst="rect">
@@ -21193,7 +21573,15 @@
           <a:p>
             <a:r>
               <a:rPr lang="en-GB" dirty="0"/>
-              <a:t>Uncertainty analysis (total displacement x)</a:t>
+              <a:t>Uncertainty analysis (total displacement x, </a:t>
+            </a:r>
+            <a:r>
+              <a:rPr lang="en-GB" dirty="0" err="1"/>
+              <a:t>maaiveld</a:t>
+            </a:r>
+            <a:r>
+              <a:rPr lang="en-GB" dirty="0"/>
+              <a:t>)</a:t>
             </a:r>
             <a:endParaRPr lang="nl-NL" dirty="0"/>
           </a:p>
@@ -21428,7 +21816,15 @@
           <a:p>
             <a:r>
               <a:rPr lang="en-GB" dirty="0"/>
-              <a:t>Uncertainty analysis (total displacement x)</a:t>
+              <a:t>Uncertainty analysis (total displacement x, </a:t>
+            </a:r>
+            <a:r>
+              <a:rPr lang="en-GB" dirty="0" err="1"/>
+              <a:t>maaiveld</a:t>
+            </a:r>
+            <a:r>
+              <a:rPr lang="en-GB" dirty="0"/>
+              <a:t>)</a:t>
             </a:r>
             <a:endParaRPr lang="nl-NL" dirty="0"/>
           </a:p>
@@ -21576,10 +21972,10 @@
       </p:sp>
       <p:pic>
         <p:nvPicPr>
-          <p:cNvPr id="17" name="Picture 16">
-            <a:extLst>
-              <a:ext uri="{FF2B5EF4-FFF2-40B4-BE49-F238E27FC236}">
-                <a16:creationId xmlns:a16="http://schemas.microsoft.com/office/drawing/2014/main" id="{03D10B06-7043-183D-AA50-0B93BD3539C1}"/>
+          <p:cNvPr id="7" name="Picture 6">
+            <a:extLst>
+              <a:ext uri="{FF2B5EF4-FFF2-40B4-BE49-F238E27FC236}">
+                <a16:creationId xmlns:a16="http://schemas.microsoft.com/office/drawing/2014/main" id="{5BF56796-2EE2-5456-0511-8A5B2CC59499}"/>
               </a:ext>
             </a:extLst>
           </p:cNvPr>
@@ -21596,8 +21992,8 @@
         </p:blipFill>
         <p:spPr>
           <a:xfrm>
-            <a:off x="4482130" y="1401876"/>
-            <a:ext cx="6954220" cy="4782217"/>
+            <a:off x="4491656" y="1477695"/>
+            <a:ext cx="6944694" cy="4820323"/>
           </a:xfrm>
           <a:prstGeom prst="rect">
             <a:avLst/>
@@ -21657,7 +22053,15 @@
           <a:p>
             <a:r>
               <a:rPr lang="en-GB" dirty="0"/>
-              <a:t>Uncertainty analysis (total displacement x)</a:t>
+              <a:t>Uncertainty analysis (total displacement x, </a:t>
+            </a:r>
+            <a:r>
+              <a:rPr lang="en-GB" dirty="0" err="1"/>
+              <a:t>maaiveld</a:t>
+            </a:r>
+            <a:r>
+              <a:rPr lang="en-GB" dirty="0"/>
+              <a:t>)</a:t>
             </a:r>
             <a:endParaRPr lang="nl-NL" dirty="0"/>
           </a:p>
@@ -21805,10 +22209,10 @@
       </p:sp>
       <p:pic>
         <p:nvPicPr>
-          <p:cNvPr id="15" name="Picture 14">
-            <a:extLst>
-              <a:ext uri="{FF2B5EF4-FFF2-40B4-BE49-F238E27FC236}">
-                <a16:creationId xmlns:a16="http://schemas.microsoft.com/office/drawing/2014/main" id="{6F081994-A64B-F914-2A3D-2494DEE49BEA}"/>
+          <p:cNvPr id="7" name="Picture 6">
+            <a:extLst>
+              <a:ext uri="{FF2B5EF4-FFF2-40B4-BE49-F238E27FC236}">
+                <a16:creationId xmlns:a16="http://schemas.microsoft.com/office/drawing/2014/main" id="{9A925792-F87F-57C5-D98D-8D84A669E386}"/>
               </a:ext>
             </a:extLst>
           </p:cNvPr>
@@ -21825,8 +22229,8 @@
         </p:blipFill>
         <p:spPr>
           <a:xfrm>
-            <a:off x="4712584" y="1477695"/>
-            <a:ext cx="6868484" cy="4848902"/>
+            <a:off x="4644148" y="1477695"/>
+            <a:ext cx="6868484" cy="4820323"/>
           </a:xfrm>
           <a:prstGeom prst="rect">
             <a:avLst/>
@@ -21886,7 +22290,15 @@
           <a:p>
             <a:r>
               <a:rPr lang="en-GB" dirty="0"/>
-              <a:t>Uncertainty analysis (total displacement x)</a:t>
+              <a:t>Uncertainty analysis (total displacement x, </a:t>
+            </a:r>
+            <a:r>
+              <a:rPr lang="en-GB" dirty="0" err="1"/>
+              <a:t>maaiveld</a:t>
+            </a:r>
+            <a:r>
+              <a:rPr lang="en-GB" dirty="0"/>
+              <a:t>)</a:t>
             </a:r>
             <a:endParaRPr lang="nl-NL" dirty="0"/>
           </a:p>
@@ -22034,10 +22446,10 @@
       </p:sp>
       <p:pic>
         <p:nvPicPr>
-          <p:cNvPr id="15" name="Picture 14">
-            <a:extLst>
-              <a:ext uri="{FF2B5EF4-FFF2-40B4-BE49-F238E27FC236}">
-                <a16:creationId xmlns:a16="http://schemas.microsoft.com/office/drawing/2014/main" id="{3DA1CA6A-E80A-4F2E-6428-118DA2D7382E}"/>
+          <p:cNvPr id="7" name="Picture 6">
+            <a:extLst>
+              <a:ext uri="{FF2B5EF4-FFF2-40B4-BE49-F238E27FC236}">
+                <a16:creationId xmlns:a16="http://schemas.microsoft.com/office/drawing/2014/main" id="{613C68CC-A0BB-22A7-D89E-CF362BEA2087}"/>
               </a:ext>
             </a:extLst>
           </p:cNvPr>
@@ -22054,8 +22466,8 @@
         </p:blipFill>
         <p:spPr>
           <a:xfrm>
-            <a:off x="4765834" y="1505509"/>
-            <a:ext cx="6935168" cy="4810796"/>
+            <a:off x="4752440" y="1477695"/>
+            <a:ext cx="6897063" cy="4772691"/>
           </a:xfrm>
           <a:prstGeom prst="rect">
             <a:avLst/>
@@ -22859,15 +23271,6 @@
 </file>
 
 <file path=customXml/item1.xml><?xml version="1.0" encoding="utf-8"?>
-<?mso-contentType ?>
-<FormTemplates xmlns="http://schemas.microsoft.com/sharepoint/v3/contenttype/forms">
-  <Display>DocumentLibraryForm</Display>
-  <Edit>DocumentLibraryForm</Edit>
-  <New>DocumentLibraryForm</New>
-</FormTemplates>
-</file>
-
-<file path=customXml/item2.xml><?xml version="1.0" encoding="utf-8"?>
 <ct:contentTypeSchema xmlns:ct="http://schemas.microsoft.com/office/2006/metadata/contentType" xmlns:ma="http://schemas.microsoft.com/office/2006/metadata/properties/metaAttributes" ct:_="" ma:_="" ma:contentTypeName="Document" ma:contentTypeID="0x0101000B31082E7F932F4895FF772473B30116" ma:contentTypeVersion="11" ma:contentTypeDescription="Create a new document." ma:contentTypeScope="" ma:versionID="c30b5a7ebc79a8ae4b5672261524501a">
   <xsd:schema xmlns:xsd="http://www.w3.org/2001/XMLSchema" xmlns:xs="http://www.w3.org/2001/XMLSchema" xmlns:p="http://schemas.microsoft.com/office/2006/metadata/properties" xmlns:ns2="edd774d5-6d8f-4b83-b098-255576e86aac" xmlns:ns3="dead17b3-d09a-4d17-9633-982b423f4fbc" targetNamespace="http://schemas.microsoft.com/office/2006/metadata/properties" ma:root="true" ma:fieldsID="d0c78e411dc013314e83d6c65decba18" ns2:_="" ns3:_="">
     <xsd:import namespace="edd774d5-6d8f-4b83-b098-255576e86aac"/>
@@ -23078,6 +23481,15 @@
 </ct:contentTypeSchema>
 </file>
 
+<file path=customXml/item2.xml><?xml version="1.0" encoding="utf-8"?>
+<?mso-contentType ?>
+<FormTemplates xmlns="http://schemas.microsoft.com/sharepoint/v3/contenttype/forms">
+  <Display>DocumentLibraryForm</Display>
+  <Edit>DocumentLibraryForm</Edit>
+  <New>DocumentLibraryForm</New>
+</FormTemplates>
+</file>
+
 <file path=customXml/item3.xml><?xml version="1.0" encoding="utf-8"?>
 <p:properties xmlns:p="http://schemas.microsoft.com/office/2006/metadata/properties" xmlns:xsi="http://www.w3.org/2001/XMLSchema-instance" xmlns:pc="http://schemas.microsoft.com/office/infopath/2007/PartnerControls">
   <documentManagement>
@@ -23090,14 +23502,6 @@
 </file>
 
 <file path=customXml/itemProps1.xml><?xml version="1.0" encoding="utf-8"?>
-<ds:datastoreItem xmlns:ds="http://schemas.openxmlformats.org/officeDocument/2006/customXml" ds:itemID="{5636F5E9-25BB-4734-86C2-FD32BCBA5CBD}">
-  <ds:schemaRefs>
-    <ds:schemaRef ds:uri="http://schemas.microsoft.com/sharepoint/v3/contenttype/forms"/>
-  </ds:schemaRefs>
-</ds:datastoreItem>
-</file>
-
-<file path=customXml/itemProps2.xml><?xml version="1.0" encoding="utf-8"?>
 <ds:datastoreItem xmlns:ds="http://schemas.openxmlformats.org/officeDocument/2006/customXml" ds:itemID="{7B44D4F2-36BF-49E2-8330-5C01CEA3FA8E}">
   <ds:schemaRefs>
     <ds:schemaRef ds:uri="http://schemas.microsoft.com/office/2006/metadata/contentType"/>
@@ -23116,6 +23520,14 @@
 </ds:datastoreItem>
 </file>
 
+<file path=customXml/itemProps2.xml><?xml version="1.0" encoding="utf-8"?>
+<ds:datastoreItem xmlns:ds="http://schemas.openxmlformats.org/officeDocument/2006/customXml" ds:itemID="{5636F5E9-25BB-4734-86C2-FD32BCBA5CBD}">
+  <ds:schemaRefs>
+    <ds:schemaRef ds:uri="http://schemas.microsoft.com/sharepoint/v3/contenttype/forms"/>
+  </ds:schemaRefs>
+</ds:datastoreItem>
+</file>
+
 <file path=customXml/itemProps3.xml><?xml version="1.0" encoding="utf-8"?>
 <ds:datastoreItem xmlns:ds="http://schemas.openxmlformats.org/officeDocument/2006/customXml" ds:itemID="{84338BAD-8BA4-4C42-A850-147A5D210631}">
   <ds:schemaRefs>

--- a/sources/Deltares.Probabilistic.PWrapper.Examples/kratos/Sheet pile.pptx
+++ b/sources/Deltares.Probabilistic.PWrapper.Examples/kratos/Sheet pile.pptx
@@ -19931,7 +19931,7 @@
           <a:p>
             <a:r>
               <a:rPr lang="nl-NL" dirty="0" err="1"/>
-              <a:t>Caly</a:t>
+              <a:t>Clay</a:t>
             </a:r>
             <a:r>
               <a:rPr lang="nl-NL" dirty="0"/>
@@ -20009,7 +20009,7 @@
           <a:p>
             <a:r>
               <a:rPr lang="nl-NL" dirty="0" err="1"/>
-              <a:t>Caly</a:t>
+              <a:t>Clay</a:t>
             </a:r>
             <a:r>
               <a:rPr lang="nl-NL" dirty="0"/>
@@ -20157,7 +20157,7 @@
           <a:p>
             <a:r>
               <a:rPr lang="nl-NL" dirty="0" err="1"/>
-              <a:t>Caly</a:t>
+              <a:t>Clay</a:t>
             </a:r>
             <a:r>
               <a:rPr lang="nl-NL" dirty="0"/>
@@ -20235,7 +20235,7 @@
           <a:p>
             <a:r>
               <a:rPr lang="nl-NL" dirty="0" err="1"/>
-              <a:t>Caly</a:t>
+              <a:t>Clay</a:t>
             </a:r>
             <a:r>
               <a:rPr lang="nl-NL" dirty="0"/>
@@ -20383,7 +20383,7 @@
           <a:p>
             <a:r>
               <a:rPr lang="nl-NL" dirty="0" err="1"/>
-              <a:t>Caly</a:t>
+              <a:t>Clay</a:t>
             </a:r>
             <a:r>
               <a:rPr lang="nl-NL" dirty="0"/>
@@ -20461,7 +20461,7 @@
           <a:p>
             <a:r>
               <a:rPr lang="nl-NL" dirty="0" err="1"/>
-              <a:t>Caly</a:t>
+              <a:t>Clay</a:t>
             </a:r>
             <a:r>
               <a:rPr lang="nl-NL" dirty="0"/>
@@ -20609,7 +20609,7 @@
           <a:p>
             <a:r>
               <a:rPr lang="nl-NL" dirty="0" err="1"/>
-              <a:t>Caly</a:t>
+              <a:t>Clay</a:t>
             </a:r>
             <a:r>
               <a:rPr lang="nl-NL" dirty="0"/>
@@ -20687,7 +20687,7 @@
           <a:p>
             <a:r>
               <a:rPr lang="nl-NL" dirty="0" err="1"/>
-              <a:t>Caly</a:t>
+              <a:t>Clay</a:t>
             </a:r>
             <a:r>
               <a:rPr lang="nl-NL" dirty="0"/>
@@ -23271,6 +23271,15 @@
 </file>
 
 <file path=customXml/item1.xml><?xml version="1.0" encoding="utf-8"?>
+<?mso-contentType ?>
+<FormTemplates xmlns="http://schemas.microsoft.com/sharepoint/v3/contenttype/forms">
+  <Display>DocumentLibraryForm</Display>
+  <Edit>DocumentLibraryForm</Edit>
+  <New>DocumentLibraryForm</New>
+</FormTemplates>
+</file>
+
+<file path=customXml/item2.xml><?xml version="1.0" encoding="utf-8"?>
 <ct:contentTypeSchema xmlns:ct="http://schemas.microsoft.com/office/2006/metadata/contentType" xmlns:ma="http://schemas.microsoft.com/office/2006/metadata/properties/metaAttributes" ct:_="" ma:_="" ma:contentTypeName="Document" ma:contentTypeID="0x0101000B31082E7F932F4895FF772473B30116" ma:contentTypeVersion="11" ma:contentTypeDescription="Create a new document." ma:contentTypeScope="" ma:versionID="c30b5a7ebc79a8ae4b5672261524501a">
   <xsd:schema xmlns:xsd="http://www.w3.org/2001/XMLSchema" xmlns:xs="http://www.w3.org/2001/XMLSchema" xmlns:p="http://schemas.microsoft.com/office/2006/metadata/properties" xmlns:ns2="edd774d5-6d8f-4b83-b098-255576e86aac" xmlns:ns3="dead17b3-d09a-4d17-9633-982b423f4fbc" targetNamespace="http://schemas.microsoft.com/office/2006/metadata/properties" ma:root="true" ma:fieldsID="d0c78e411dc013314e83d6c65decba18" ns2:_="" ns3:_="">
     <xsd:import namespace="edd774d5-6d8f-4b83-b098-255576e86aac"/>
@@ -23481,15 +23490,6 @@
 </ct:contentTypeSchema>
 </file>
 
-<file path=customXml/item2.xml><?xml version="1.0" encoding="utf-8"?>
-<?mso-contentType ?>
-<FormTemplates xmlns="http://schemas.microsoft.com/sharepoint/v3/contenttype/forms">
-  <Display>DocumentLibraryForm</Display>
-  <Edit>DocumentLibraryForm</Edit>
-  <New>DocumentLibraryForm</New>
-</FormTemplates>
-</file>
-
 <file path=customXml/item3.xml><?xml version="1.0" encoding="utf-8"?>
 <p:properties xmlns:p="http://schemas.microsoft.com/office/2006/metadata/properties" xmlns:xsi="http://www.w3.org/2001/XMLSchema-instance" xmlns:pc="http://schemas.microsoft.com/office/infopath/2007/PartnerControls">
   <documentManagement>
@@ -23502,6 +23502,14 @@
 </file>
 
 <file path=customXml/itemProps1.xml><?xml version="1.0" encoding="utf-8"?>
+<ds:datastoreItem xmlns:ds="http://schemas.openxmlformats.org/officeDocument/2006/customXml" ds:itemID="{5636F5E9-25BB-4734-86C2-FD32BCBA5CBD}">
+  <ds:schemaRefs>
+    <ds:schemaRef ds:uri="http://schemas.microsoft.com/sharepoint/v3/contenttype/forms"/>
+  </ds:schemaRefs>
+</ds:datastoreItem>
+</file>
+
+<file path=customXml/itemProps2.xml><?xml version="1.0" encoding="utf-8"?>
 <ds:datastoreItem xmlns:ds="http://schemas.openxmlformats.org/officeDocument/2006/customXml" ds:itemID="{7B44D4F2-36BF-49E2-8330-5C01CEA3FA8E}">
   <ds:schemaRefs>
     <ds:schemaRef ds:uri="http://schemas.microsoft.com/office/2006/metadata/contentType"/>
@@ -23520,14 +23528,6 @@
 </ds:datastoreItem>
 </file>
 
-<file path=customXml/itemProps2.xml><?xml version="1.0" encoding="utf-8"?>
-<ds:datastoreItem xmlns:ds="http://schemas.openxmlformats.org/officeDocument/2006/customXml" ds:itemID="{5636F5E9-25BB-4734-86C2-FD32BCBA5CBD}">
-  <ds:schemaRefs>
-    <ds:schemaRef ds:uri="http://schemas.microsoft.com/sharepoint/v3/contenttype/forms"/>
-  </ds:schemaRefs>
-</ds:datastoreItem>
-</file>
-
 <file path=customXml/itemProps3.xml><?xml version="1.0" encoding="utf-8"?>
 <ds:datastoreItem xmlns:ds="http://schemas.openxmlformats.org/officeDocument/2006/customXml" ds:itemID="{84338BAD-8BA4-4C42-A850-147A5D210631}">
   <ds:schemaRefs>
